--- a/Écrans_Navigation_Combaxe.pptx
+++ b/Écrans_Navigation_Combaxe.pptx
@@ -232,7 +232,7 @@
           <a:p>
             <a:fld id="{F26B38FF-9030-4FED-9577-CB19130A0EB0}" type="datetimeFigureOut">
               <a:rPr lang="fr-CA" smtClean="0"/>
-              <a:t>2014-10-28</a:t>
+              <a:t>2014-10-31</a:t>
             </a:fld>
             <a:endParaRPr lang="fr-CA"/>
           </a:p>
@@ -552,6 +552,7 @@
               <a:rPr lang="fr-CA" baseline="0" dirty="0" smtClean="0"/>
               <a:t> « Créer un compte » amène l’utilisateur à la page de création de compte. « Quitter » quitte l’application et « Connexion » amène l’utilisateur à l’écran de choix de personnage.</a:t>
             </a:r>
+            <a:endParaRPr lang="fr-CA" baseline="0" dirty="0" smtClean="0"/>
           </a:p>
         </p:txBody>
       </p:sp>
@@ -1454,7 +1455,7 @@
           <a:p>
             <a:fld id="{DDA46014-27EF-4C52-946F-6C4AFDC5E7DC}" type="datetimeFigureOut">
               <a:rPr lang="fr-CA" smtClean="0"/>
-              <a:t>2014-10-28</a:t>
+              <a:t>2014-10-31</a:t>
             </a:fld>
             <a:endParaRPr lang="fr-CA"/>
           </a:p>
@@ -1624,7 +1625,7 @@
           <a:p>
             <a:fld id="{DDA46014-27EF-4C52-946F-6C4AFDC5E7DC}" type="datetimeFigureOut">
               <a:rPr lang="fr-CA" smtClean="0"/>
-              <a:t>2014-10-28</a:t>
+              <a:t>2014-10-31</a:t>
             </a:fld>
             <a:endParaRPr lang="fr-CA"/>
           </a:p>
@@ -1804,7 +1805,7 @@
           <a:p>
             <a:fld id="{DDA46014-27EF-4C52-946F-6C4AFDC5E7DC}" type="datetimeFigureOut">
               <a:rPr lang="fr-CA" smtClean="0"/>
-              <a:t>2014-10-28</a:t>
+              <a:t>2014-10-31</a:t>
             </a:fld>
             <a:endParaRPr lang="fr-CA"/>
           </a:p>
@@ -1974,7 +1975,7 @@
           <a:p>
             <a:fld id="{DDA46014-27EF-4C52-946F-6C4AFDC5E7DC}" type="datetimeFigureOut">
               <a:rPr lang="fr-CA" smtClean="0"/>
-              <a:t>2014-10-28</a:t>
+              <a:t>2014-10-31</a:t>
             </a:fld>
             <a:endParaRPr lang="fr-CA"/>
           </a:p>
@@ -2220,7 +2221,7 @@
           <a:p>
             <a:fld id="{DDA46014-27EF-4C52-946F-6C4AFDC5E7DC}" type="datetimeFigureOut">
               <a:rPr lang="fr-CA" smtClean="0"/>
-              <a:t>2014-10-28</a:t>
+              <a:t>2014-10-31</a:t>
             </a:fld>
             <a:endParaRPr lang="fr-CA"/>
           </a:p>
@@ -2452,7 +2453,7 @@
           <a:p>
             <a:fld id="{DDA46014-27EF-4C52-946F-6C4AFDC5E7DC}" type="datetimeFigureOut">
               <a:rPr lang="fr-CA" smtClean="0"/>
-              <a:t>2014-10-28</a:t>
+              <a:t>2014-10-31</a:t>
             </a:fld>
             <a:endParaRPr lang="fr-CA"/>
           </a:p>
@@ -2819,7 +2820,7 @@
           <a:p>
             <a:fld id="{DDA46014-27EF-4C52-946F-6C4AFDC5E7DC}" type="datetimeFigureOut">
               <a:rPr lang="fr-CA" smtClean="0"/>
-              <a:t>2014-10-28</a:t>
+              <a:t>2014-10-31</a:t>
             </a:fld>
             <a:endParaRPr lang="fr-CA"/>
           </a:p>
@@ -2937,7 +2938,7 @@
           <a:p>
             <a:fld id="{DDA46014-27EF-4C52-946F-6C4AFDC5E7DC}" type="datetimeFigureOut">
               <a:rPr lang="fr-CA" smtClean="0"/>
-              <a:t>2014-10-28</a:t>
+              <a:t>2014-10-31</a:t>
             </a:fld>
             <a:endParaRPr lang="fr-CA"/>
           </a:p>
@@ -3032,7 +3033,7 @@
           <a:p>
             <a:fld id="{DDA46014-27EF-4C52-946F-6C4AFDC5E7DC}" type="datetimeFigureOut">
               <a:rPr lang="fr-CA" smtClean="0"/>
-              <a:t>2014-10-28</a:t>
+              <a:t>2014-10-31</a:t>
             </a:fld>
             <a:endParaRPr lang="fr-CA"/>
           </a:p>
@@ -3309,7 +3310,7 @@
           <a:p>
             <a:fld id="{DDA46014-27EF-4C52-946F-6C4AFDC5E7DC}" type="datetimeFigureOut">
               <a:rPr lang="fr-CA" smtClean="0"/>
-              <a:t>2014-10-28</a:t>
+              <a:t>2014-10-31</a:t>
             </a:fld>
             <a:endParaRPr lang="fr-CA"/>
           </a:p>
@@ -3562,7 +3563,7 @@
           <a:p>
             <a:fld id="{DDA46014-27EF-4C52-946F-6C4AFDC5E7DC}" type="datetimeFigureOut">
               <a:rPr lang="fr-CA" smtClean="0"/>
-              <a:t>2014-10-28</a:t>
+              <a:t>2014-10-31</a:t>
             </a:fld>
             <a:endParaRPr lang="fr-CA"/>
           </a:p>
@@ -3784,7 +3785,7 @@
           <a:p>
             <a:fld id="{DDA46014-27EF-4C52-946F-6C4AFDC5E7DC}" type="datetimeFigureOut">
               <a:rPr lang="fr-CA" smtClean="0"/>
-              <a:t>2014-10-28</a:t>
+              <a:t>2014-10-31</a:t>
             </a:fld>
             <a:endParaRPr lang="fr-CA"/>
           </a:p>
@@ -5342,7 +5343,7 @@
         </p:nvSpPr>
         <p:spPr>
           <a:xfrm>
-            <a:off x="4240257" y="2078795"/>
+            <a:off x="4240257" y="2171648"/>
             <a:ext cx="3463962" cy="460835"/>
           </a:xfrm>
           <a:prstGeom prst="roundRect">
@@ -5407,7 +5408,7 @@
         </p:nvSpPr>
         <p:spPr>
           <a:xfrm>
-            <a:off x="4240257" y="2662682"/>
+            <a:off x="4240257" y="2842592"/>
             <a:ext cx="3463962" cy="460835"/>
           </a:xfrm>
           <a:prstGeom prst="roundRect">
@@ -5472,7 +5473,7 @@
         </p:nvSpPr>
         <p:spPr>
           <a:xfrm>
-            <a:off x="4240257" y="5970140"/>
+            <a:off x="4240257" y="5526368"/>
             <a:ext cx="3463962" cy="460835"/>
           </a:xfrm>
           <a:prstGeom prst="roundRect">
@@ -5537,7 +5538,7 @@
         </p:nvSpPr>
         <p:spPr>
           <a:xfrm>
-            <a:off x="4240257" y="5386253"/>
+            <a:off x="4240257" y="4855424"/>
             <a:ext cx="3463962" cy="460835"/>
           </a:xfrm>
           <a:prstGeom prst="roundRect">
@@ -5583,6 +5584,136 @@
                 </a:solidFill>
               </a:rPr>
               <a:t>Changer de personnage</a:t>
+            </a:r>
+            <a:endParaRPr lang="fr-CA" sz="1100" dirty="0">
+              <a:solidFill>
+                <a:schemeClr val="tx1"/>
+              </a:solidFill>
+            </a:endParaRPr>
+          </a:p>
+        </p:txBody>
+      </p:sp>
+      <p:sp>
+        <p:nvSpPr>
+          <p:cNvPr id="10" name="Rectangle à coins arrondis 9">
+            <a:hlinkClick r:id="rId5" action="ppaction://hlinksldjump"/>
+          </p:cNvPr>
+          <p:cNvSpPr/>
+          <p:nvPr/>
+        </p:nvSpPr>
+        <p:spPr>
+          <a:xfrm>
+            <a:off x="4240257" y="3513536"/>
+            <a:ext cx="3463962" cy="460835"/>
+          </a:xfrm>
+          <a:prstGeom prst="roundRect">
+            <a:avLst/>
+          </a:prstGeom>
+          <a:solidFill>
+            <a:schemeClr val="tx2">
+              <a:lumMod val="20000"/>
+              <a:lumOff val="80000"/>
+            </a:schemeClr>
+          </a:solidFill>
+          <a:ln>
+            <a:solidFill>
+              <a:schemeClr val="tx1"/>
+            </a:solidFill>
+          </a:ln>
+        </p:spPr>
+        <p:style>
+          <a:lnRef idx="2">
+            <a:schemeClr val="accent1">
+              <a:shade val="50000"/>
+            </a:schemeClr>
+          </a:lnRef>
+          <a:fillRef idx="1">
+            <a:schemeClr val="accent1"/>
+          </a:fillRef>
+          <a:effectRef idx="0">
+            <a:schemeClr val="accent1"/>
+          </a:effectRef>
+          <a:fontRef idx="minor">
+            <a:schemeClr val="lt1"/>
+          </a:fontRef>
+        </p:style>
+        <p:txBody>
+          <a:bodyPr rtlCol="0" anchor="ctr"/>
+          <a:lstStyle/>
+          <a:p>
+            <a:pPr algn="ctr"/>
+            <a:r>
+              <a:rPr lang="fr-CA" sz="1100" dirty="0" smtClean="0">
+                <a:solidFill>
+                  <a:schemeClr val="tx1"/>
+                </a:solidFill>
+              </a:rPr>
+              <a:t>Taverne</a:t>
+            </a:r>
+            <a:endParaRPr lang="fr-CA" sz="1100" dirty="0">
+              <a:solidFill>
+                <a:schemeClr val="tx1"/>
+              </a:solidFill>
+            </a:endParaRPr>
+          </a:p>
+        </p:txBody>
+      </p:sp>
+      <p:sp>
+        <p:nvSpPr>
+          <p:cNvPr id="11" name="Rectangle à coins arrondis 10">
+            <a:hlinkClick r:id="rId5" action="ppaction://hlinksldjump"/>
+          </p:cNvPr>
+          <p:cNvSpPr/>
+          <p:nvPr/>
+        </p:nvSpPr>
+        <p:spPr>
+          <a:xfrm>
+            <a:off x="4240257" y="4184480"/>
+            <a:ext cx="3463962" cy="460835"/>
+          </a:xfrm>
+          <a:prstGeom prst="roundRect">
+            <a:avLst/>
+          </a:prstGeom>
+          <a:solidFill>
+            <a:schemeClr val="tx2">
+              <a:lumMod val="20000"/>
+              <a:lumOff val="80000"/>
+            </a:schemeClr>
+          </a:solidFill>
+          <a:ln>
+            <a:solidFill>
+              <a:schemeClr val="tx1"/>
+            </a:solidFill>
+          </a:ln>
+        </p:spPr>
+        <p:style>
+          <a:lnRef idx="2">
+            <a:schemeClr val="accent1">
+              <a:shade val="50000"/>
+            </a:schemeClr>
+          </a:lnRef>
+          <a:fillRef idx="1">
+            <a:schemeClr val="accent1"/>
+          </a:fillRef>
+          <a:effectRef idx="0">
+            <a:schemeClr val="accent1"/>
+          </a:effectRef>
+          <a:fontRef idx="minor">
+            <a:schemeClr val="lt1"/>
+          </a:fontRef>
+        </p:style>
+        <p:txBody>
+          <a:bodyPr rtlCol="0" anchor="ctr"/>
+          <a:lstStyle/>
+          <a:p>
+            <a:pPr algn="ctr"/>
+            <a:r>
+              <a:rPr lang="fr-CA" sz="1100" dirty="0" smtClean="0">
+                <a:solidFill>
+                  <a:schemeClr val="tx1"/>
+                </a:solidFill>
+              </a:rPr>
+              <a:t>Supprimer ce personnage</a:t>
             </a:r>
             <a:endParaRPr lang="fr-CA" sz="1100" dirty="0">
               <a:solidFill>
@@ -5672,7 +5803,7 @@
       </p:sp>
       <p:sp>
         <p:nvSpPr>
-          <p:cNvPr id="6" name="Rectangle à coins arrondis 5">
+          <p:cNvPr id="2" name="Rectangle à coins arrondis 1">
             <a:hlinkClick r:id="rId3" action="ppaction://hlinksldjump"/>
           </p:cNvPr>
           <p:cNvSpPr/>
@@ -5680,14 +5811,14 @@
         </p:nvSpPr>
         <p:spPr>
           <a:xfrm>
-            <a:off x="4240257" y="2078795"/>
-            <a:ext cx="3463962" cy="460835"/>
+            <a:off x="4240257" y="1494908"/>
+            <a:ext cx="1708722" cy="460835"/>
           </a:xfrm>
           <a:prstGeom prst="roundRect">
             <a:avLst/>
           </a:prstGeom>
           <a:solidFill>
-            <a:schemeClr val="tx2">
+            <a:schemeClr val="accent5">
               <a:lumMod val="20000"/>
               <a:lumOff val="80000"/>
             </a:schemeClr>
@@ -5720,6 +5851,136 @@
           <a:p>
             <a:pPr algn="ctr"/>
             <a:r>
+              <a:rPr lang="fr-CA" sz="1400" dirty="0" smtClean="0">
+                <a:solidFill>
+                  <a:schemeClr val="tx1"/>
+                </a:solidFill>
+              </a:rPr>
+              <a:t>Campagne</a:t>
+            </a:r>
+            <a:endParaRPr lang="fr-CA" sz="1400" dirty="0">
+              <a:solidFill>
+                <a:schemeClr val="tx1"/>
+              </a:solidFill>
+            </a:endParaRPr>
+          </a:p>
+        </p:txBody>
+      </p:sp>
+      <p:sp>
+        <p:nvSpPr>
+          <p:cNvPr id="10" name="Rectangle à coins arrondis 9">
+            <a:hlinkClick r:id="rId3" action="ppaction://hlinksldjump"/>
+          </p:cNvPr>
+          <p:cNvSpPr/>
+          <p:nvPr/>
+        </p:nvSpPr>
+        <p:spPr>
+          <a:xfrm>
+            <a:off x="5995497" y="1494908"/>
+            <a:ext cx="1708722" cy="460835"/>
+          </a:xfrm>
+          <a:prstGeom prst="roundRect">
+            <a:avLst/>
+          </a:prstGeom>
+          <a:solidFill>
+            <a:schemeClr val="accent5">
+              <a:lumMod val="20000"/>
+              <a:lumOff val="80000"/>
+            </a:schemeClr>
+          </a:solidFill>
+          <a:ln>
+            <a:solidFill>
+              <a:schemeClr val="tx1"/>
+            </a:solidFill>
+          </a:ln>
+        </p:spPr>
+        <p:style>
+          <a:lnRef idx="2">
+            <a:schemeClr val="accent1">
+              <a:shade val="50000"/>
+            </a:schemeClr>
+          </a:lnRef>
+          <a:fillRef idx="1">
+            <a:schemeClr val="accent1"/>
+          </a:fillRef>
+          <a:effectRef idx="0">
+            <a:schemeClr val="accent1"/>
+          </a:effectRef>
+          <a:fontRef idx="minor">
+            <a:schemeClr val="lt1"/>
+          </a:fontRef>
+        </p:style>
+        <p:txBody>
+          <a:bodyPr rtlCol="0" anchor="ctr"/>
+          <a:lstStyle/>
+          <a:p>
+            <a:pPr algn="ctr"/>
+            <a:r>
+              <a:rPr lang="fr-CA" sz="1600" dirty="0" smtClean="0">
+                <a:solidFill>
+                  <a:schemeClr val="tx1"/>
+                </a:solidFill>
+              </a:rPr>
+              <a:t>Partie rapide</a:t>
+            </a:r>
+            <a:endParaRPr lang="fr-CA" sz="1600" dirty="0">
+              <a:solidFill>
+                <a:schemeClr val="tx1"/>
+              </a:solidFill>
+            </a:endParaRPr>
+          </a:p>
+        </p:txBody>
+      </p:sp>
+      <p:sp>
+        <p:nvSpPr>
+          <p:cNvPr id="11" name="Rectangle à coins arrondis 10">
+            <a:hlinkClick r:id="rId4" action="ppaction://hlinksldjump"/>
+          </p:cNvPr>
+          <p:cNvSpPr/>
+          <p:nvPr/>
+        </p:nvSpPr>
+        <p:spPr>
+          <a:xfrm>
+            <a:off x="4240257" y="2171648"/>
+            <a:ext cx="3463962" cy="460835"/>
+          </a:xfrm>
+          <a:prstGeom prst="roundRect">
+            <a:avLst/>
+          </a:prstGeom>
+          <a:solidFill>
+            <a:schemeClr val="tx2">
+              <a:lumMod val="20000"/>
+              <a:lumOff val="80000"/>
+            </a:schemeClr>
+          </a:solidFill>
+          <a:ln>
+            <a:solidFill>
+              <a:schemeClr val="tx1"/>
+            </a:solidFill>
+          </a:ln>
+        </p:spPr>
+        <p:style>
+          <a:lnRef idx="2">
+            <a:schemeClr val="accent1">
+              <a:shade val="50000"/>
+            </a:schemeClr>
+          </a:lnRef>
+          <a:fillRef idx="1">
+            <a:schemeClr val="accent1"/>
+          </a:fillRef>
+          <a:effectRef idx="0">
+            <a:schemeClr val="accent1"/>
+          </a:effectRef>
+          <a:fontRef idx="minor">
+            <a:schemeClr val="lt1"/>
+          </a:fontRef>
+        </p:style>
+        <p:txBody>
+          <a:bodyPr rtlCol="0" anchor="ctr"/>
+          <a:lstStyle/>
+          <a:p>
+            <a:pPr algn="ctr"/>
+            <a:r>
               <a:rPr lang="fr-CA" sz="1100" dirty="0" smtClean="0">
                 <a:solidFill>
                   <a:schemeClr val="tx1"/>
@@ -5737,15 +5998,15 @@
       </p:sp>
       <p:sp>
         <p:nvSpPr>
-          <p:cNvPr id="7" name="Rectangle à coins arrondis 6">
-            <a:hlinkClick r:id="rId4" action="ppaction://hlinksldjump"/>
+          <p:cNvPr id="12" name="Rectangle à coins arrondis 11">
+            <a:hlinkClick r:id="rId5" action="ppaction://hlinksldjump"/>
           </p:cNvPr>
           <p:cNvSpPr/>
           <p:nvPr/>
         </p:nvSpPr>
         <p:spPr>
           <a:xfrm>
-            <a:off x="4240257" y="2662682"/>
+            <a:off x="4240257" y="2842592"/>
             <a:ext cx="3463962" cy="460835"/>
           </a:xfrm>
           <a:prstGeom prst="roundRect">
@@ -5802,7 +6063,7 @@
       </p:sp>
       <p:sp>
         <p:nvSpPr>
-          <p:cNvPr id="8" name="Rectangle à coins arrondis 7">
+          <p:cNvPr id="13" name="Rectangle à coins arrondis 12">
             <a:hlinkClick r:id="" action="ppaction://hlinkshowjump?jump=firstslide"/>
           </p:cNvPr>
           <p:cNvSpPr/>
@@ -5810,7 +6071,7 @@
         </p:nvSpPr>
         <p:spPr>
           <a:xfrm>
-            <a:off x="4240257" y="5970140"/>
+            <a:off x="4240257" y="5526368"/>
             <a:ext cx="3463962" cy="460835"/>
           </a:xfrm>
           <a:prstGeom prst="roundRect">
@@ -5867,15 +6128,15 @@
       </p:sp>
       <p:sp>
         <p:nvSpPr>
-          <p:cNvPr id="9" name="Rectangle à coins arrondis 8">
-            <a:hlinkClick r:id="rId5" action="ppaction://hlinksldjump"/>
+          <p:cNvPr id="14" name="Rectangle à coins arrondis 13">
+            <a:hlinkClick r:id="rId6" action="ppaction://hlinksldjump"/>
           </p:cNvPr>
           <p:cNvSpPr/>
           <p:nvPr/>
         </p:nvSpPr>
         <p:spPr>
           <a:xfrm>
-            <a:off x="4240257" y="5386253"/>
+            <a:off x="4240257" y="4855424"/>
             <a:ext cx="3463962" cy="460835"/>
           </a:xfrm>
           <a:prstGeom prst="roundRect">
@@ -5932,22 +6193,22 @@
       </p:sp>
       <p:sp>
         <p:nvSpPr>
-          <p:cNvPr id="2" name="Rectangle à coins arrondis 1">
-            <a:hlinkClick r:id="rId6" action="ppaction://hlinksldjump"/>
+          <p:cNvPr id="15" name="Rectangle à coins arrondis 14">
+            <a:hlinkClick r:id="rId5" action="ppaction://hlinksldjump"/>
           </p:cNvPr>
           <p:cNvSpPr/>
           <p:nvPr/>
         </p:nvSpPr>
         <p:spPr>
           <a:xfrm>
-            <a:off x="4240257" y="1494908"/>
-            <a:ext cx="1708722" cy="460835"/>
+            <a:off x="4240257" y="3513536"/>
+            <a:ext cx="3463962" cy="460835"/>
           </a:xfrm>
           <a:prstGeom prst="roundRect">
             <a:avLst/>
           </a:prstGeom>
           <a:solidFill>
-            <a:schemeClr val="accent5">
+            <a:schemeClr val="tx2">
               <a:lumMod val="20000"/>
               <a:lumOff val="80000"/>
             </a:schemeClr>
@@ -5980,14 +6241,14 @@
           <a:p>
             <a:pPr algn="ctr"/>
             <a:r>
-              <a:rPr lang="fr-CA" sz="1400" dirty="0" smtClean="0">
+              <a:rPr lang="fr-CA" sz="1100" dirty="0" smtClean="0">
                 <a:solidFill>
                   <a:schemeClr val="tx1"/>
                 </a:solidFill>
               </a:rPr>
-              <a:t>Campagne</a:t>
-            </a:r>
-            <a:endParaRPr lang="fr-CA" sz="1400" dirty="0">
+              <a:t>Taverne</a:t>
+            </a:r>
+            <a:endParaRPr lang="fr-CA" sz="1100" dirty="0">
               <a:solidFill>
                 <a:schemeClr val="tx1"/>
               </a:solidFill>
@@ -5997,22 +6258,22 @@
       </p:sp>
       <p:sp>
         <p:nvSpPr>
-          <p:cNvPr id="10" name="Rectangle à coins arrondis 9">
-            <a:hlinkClick r:id="rId6" action="ppaction://hlinksldjump"/>
+          <p:cNvPr id="16" name="Rectangle à coins arrondis 15">
+            <a:hlinkClick r:id="rId5" action="ppaction://hlinksldjump"/>
           </p:cNvPr>
           <p:cNvSpPr/>
           <p:nvPr/>
         </p:nvSpPr>
         <p:spPr>
           <a:xfrm>
-            <a:off x="5995497" y="1494908"/>
-            <a:ext cx="1708722" cy="460835"/>
+            <a:off x="4240257" y="4184480"/>
+            <a:ext cx="3463962" cy="460835"/>
           </a:xfrm>
           <a:prstGeom prst="roundRect">
             <a:avLst/>
           </a:prstGeom>
           <a:solidFill>
-            <a:schemeClr val="accent5">
+            <a:schemeClr val="tx2">
               <a:lumMod val="20000"/>
               <a:lumOff val="80000"/>
             </a:schemeClr>
@@ -6045,14 +6306,14 @@
           <a:p>
             <a:pPr algn="ctr"/>
             <a:r>
-              <a:rPr lang="fr-CA" sz="1600" dirty="0" smtClean="0">
+              <a:rPr lang="fr-CA" sz="1100" dirty="0" smtClean="0">
                 <a:solidFill>
                   <a:schemeClr val="tx1"/>
                 </a:solidFill>
               </a:rPr>
-              <a:t>Partie rapide</a:t>
-            </a:r>
-            <a:endParaRPr lang="fr-CA" sz="1600" dirty="0">
+              <a:t>Supprimer ce personnage</a:t>
+            </a:r>
+            <a:endParaRPr lang="fr-CA" sz="1100" dirty="0">
               <a:solidFill>
                 <a:schemeClr val="tx1"/>
               </a:solidFill>
